--- a/FriendZone v 2.1.pptx
+++ b/FriendZone v 2.1.pptx
@@ -14,6 +14,7 @@
     <p:sldId id="263" r:id="rId8"/>
     <p:sldId id="264" r:id="rId9"/>
     <p:sldId id="260" r:id="rId10"/>
+    <p:sldId id="265" r:id="rId11"/>
   </p:sldIdLst>
   <p:sldSz cx="9144000" cy="6858000" type="screen4x3"/>
   <p:notesSz cx="6858000" cy="9144000"/>
@@ -165,13 +166,13 @@
                 <c:formatCode>[$-409]mmmm\ d\,\ yyyy;@</c:formatCode>
                 <c:ptCount val="3"/>
                 <c:pt idx="0">
-                  <c:v>42460</c:v>
+                  <c:v>42460.0</c:v>
                 </c:pt>
                 <c:pt idx="1">
-                  <c:v>42467</c:v>
+                  <c:v>42467.0</c:v>
                 </c:pt>
                 <c:pt idx="2">
-                  <c:v>42474</c:v>
+                  <c:v>42474.0</c:v>
                 </c:pt>
               </c:numCache>
             </c:numRef>
@@ -183,13 +184,13 @@
                 <c:formatCode>General</c:formatCode>
                 <c:ptCount val="3"/>
                 <c:pt idx="0">
-                  <c:v>0</c:v>
+                  <c:v>0.0</c:v>
                 </c:pt>
                 <c:pt idx="1">
-                  <c:v>20</c:v>
+                  <c:v>20.0</c:v>
                 </c:pt>
                 <c:pt idx="2">
-                  <c:v>33</c:v>
+                  <c:v>33.0</c:v>
                 </c:pt>
               </c:numCache>
             </c:numRef>
@@ -217,13 +218,13 @@
                 <c:formatCode>[$-409]mmmm\ d\,\ yyyy;@</c:formatCode>
                 <c:ptCount val="3"/>
                 <c:pt idx="0">
-                  <c:v>42460</c:v>
+                  <c:v>42460.0</c:v>
                 </c:pt>
                 <c:pt idx="1">
-                  <c:v>42467</c:v>
+                  <c:v>42467.0</c:v>
                 </c:pt>
                 <c:pt idx="2">
-                  <c:v>42474</c:v>
+                  <c:v>42474.0</c:v>
                 </c:pt>
               </c:numCache>
             </c:numRef>
@@ -235,13 +236,13 @@
                 <c:formatCode>General</c:formatCode>
                 <c:ptCount val="3"/>
                 <c:pt idx="0">
-                  <c:v>0</c:v>
+                  <c:v>0.0</c:v>
                 </c:pt>
                 <c:pt idx="1">
-                  <c:v>0</c:v>
+                  <c:v>0.0</c:v>
                 </c:pt>
                 <c:pt idx="2">
-                  <c:v>33</c:v>
+                  <c:v>33.0</c:v>
                 </c:pt>
               </c:numCache>
             </c:numRef>
@@ -258,15 +259,15 @@
         </c:dLbls>
         <c:marker val="1"/>
         <c:smooth val="0"/>
-        <c:axId val="57958400"/>
-        <c:axId val="57959936"/>
+        <c:axId val="2111726408"/>
+        <c:axId val="2111729448"/>
       </c:lineChart>
       <c:dateAx>
-        <c:axId val="57958400"/>
+        <c:axId val="2111726408"/>
         <c:scaling>
           <c:orientation val="minMax"/>
-          <c:max val="42474"/>
-          <c:min val="42460"/>
+          <c:max val="42474.0"/>
+          <c:min val="42460.0"/>
         </c:scaling>
         <c:delete val="0"/>
         <c:axPos val="b"/>
@@ -274,18 +275,18 @@
         <c:majorTickMark val="out"/>
         <c:minorTickMark val="none"/>
         <c:tickLblPos val="nextTo"/>
-        <c:crossAx val="57959936"/>
+        <c:crossAx val="2111729448"/>
         <c:crosses val="autoZero"/>
         <c:auto val="1"/>
         <c:lblOffset val="100"/>
         <c:baseTimeUnit val="days"/>
-        <c:majorUnit val="7"/>
+        <c:majorUnit val="7.0"/>
         <c:majorTimeUnit val="days"/>
-        <c:minorUnit val="1"/>
+        <c:minorUnit val="1.0"/>
         <c:minorTimeUnit val="days"/>
       </c:dateAx>
       <c:valAx>
-        <c:axId val="57959936"/>
+        <c:axId val="2111729448"/>
         <c:scaling>
           <c:orientation val="minMax"/>
         </c:scaling>
@@ -296,10 +297,10 @@
         <c:majorTickMark val="out"/>
         <c:minorTickMark val="none"/>
         <c:tickLblPos val="nextTo"/>
-        <c:crossAx val="57958400"/>
+        <c:crossAx val="2111726408"/>
         <c:crosses val="autoZero"/>
         <c:crossBetween val="between"/>
-        <c:majorUnit val="10"/>
+        <c:majorUnit val="10.0"/>
       </c:valAx>
     </c:plotArea>
     <c:legend>
@@ -785,7 +786,7 @@
           <a:p>
             <a:fld id="{6C8D4E06-3E26-47AC-9BC0-6283FE3EE687}" type="datetimeFigureOut">
               <a:rPr lang="en-US" smtClean="0"/>
-              <a:t>4/14/2016</a:t>
+              <a:t>4/14/16</a:t>
             </a:fld>
             <a:endParaRPr lang="en-US"/>
           </a:p>
@@ -950,7 +951,7 @@
           <a:p>
             <a:fld id="{6C8D4E06-3E26-47AC-9BC0-6283FE3EE687}" type="datetimeFigureOut">
               <a:rPr lang="en-US" smtClean="0"/>
-              <a:t>4/14/2016</a:t>
+              <a:t>4/14/16</a:t>
             </a:fld>
             <a:endParaRPr lang="en-US"/>
           </a:p>
@@ -1125,7 +1126,7 @@
           <a:p>
             <a:fld id="{6C8D4E06-3E26-47AC-9BC0-6283FE3EE687}" type="datetimeFigureOut">
               <a:rPr lang="en-US" smtClean="0"/>
-              <a:t>4/14/2016</a:t>
+              <a:t>4/14/16</a:t>
             </a:fld>
             <a:endParaRPr lang="en-US"/>
           </a:p>
@@ -1290,7 +1291,7 @@
           <a:p>
             <a:fld id="{6C8D4E06-3E26-47AC-9BC0-6283FE3EE687}" type="datetimeFigureOut">
               <a:rPr lang="en-US" smtClean="0"/>
-              <a:t>4/14/2016</a:t>
+              <a:t>4/14/16</a:t>
             </a:fld>
             <a:endParaRPr lang="en-US"/>
           </a:p>
@@ -1843,7 +1844,7 @@
           <a:p>
             <a:fld id="{6C8D4E06-3E26-47AC-9BC0-6283FE3EE687}" type="datetimeFigureOut">
               <a:rPr lang="en-US" smtClean="0"/>
-              <a:t>4/14/2016</a:t>
+              <a:t>4/14/16</a:t>
             </a:fld>
             <a:endParaRPr lang="en-US"/>
           </a:p>
@@ -2103,7 +2104,7 @@
           <a:p>
             <a:fld id="{6C8D4E06-3E26-47AC-9BC0-6283FE3EE687}" type="datetimeFigureOut">
               <a:rPr lang="en-US" smtClean="0"/>
-              <a:t>4/14/2016</a:t>
+              <a:t>4/14/16</a:t>
             </a:fld>
             <a:endParaRPr lang="en-US"/>
           </a:p>
@@ -2591,7 +2592,7 @@
           <a:p>
             <a:fld id="{6C8D4E06-3E26-47AC-9BC0-6283FE3EE687}" type="datetimeFigureOut">
               <a:rPr lang="en-US" smtClean="0"/>
-              <a:t>4/14/2016</a:t>
+              <a:t>4/14/16</a:t>
             </a:fld>
             <a:endParaRPr lang="en-US"/>
           </a:p>
@@ -2704,7 +2705,7 @@
           <a:p>
             <a:fld id="{6C8D4E06-3E26-47AC-9BC0-6283FE3EE687}" type="datetimeFigureOut">
               <a:rPr lang="en-US" smtClean="0"/>
-              <a:t>4/14/2016</a:t>
+              <a:t>4/14/16</a:t>
             </a:fld>
             <a:endParaRPr lang="en-US"/>
           </a:p>
@@ -2794,7 +2795,7 @@
           <a:p>
             <a:fld id="{6C8D4E06-3E26-47AC-9BC0-6283FE3EE687}" type="datetimeFigureOut">
               <a:rPr lang="en-US" smtClean="0"/>
-              <a:t>4/14/2016</a:t>
+              <a:t>4/14/16</a:t>
             </a:fld>
             <a:endParaRPr lang="en-US"/>
           </a:p>
@@ -3224,7 +3225,7 @@
           <a:p>
             <a:fld id="{6C8D4E06-3E26-47AC-9BC0-6283FE3EE687}" type="datetimeFigureOut">
               <a:rPr lang="en-US" smtClean="0"/>
-              <a:t>4/14/2016</a:t>
+              <a:t>4/14/16</a:t>
             </a:fld>
             <a:endParaRPr lang="en-US"/>
           </a:p>
@@ -3757,7 +3758,7 @@
           <a:p>
             <a:fld id="{6C8D4E06-3E26-47AC-9BC0-6283FE3EE687}" type="datetimeFigureOut">
               <a:rPr lang="en-US" smtClean="0"/>
-              <a:t>4/14/2016</a:t>
+              <a:t>4/14/16</a:t>
             </a:fld>
             <a:endParaRPr lang="en-US"/>
           </a:p>
@@ -4597,7 +4598,7 @@
           <a:p>
             <a:fld id="{6C8D4E06-3E26-47AC-9BC0-6283FE3EE687}" type="datetimeFigureOut">
               <a:rPr lang="en-US" smtClean="0"/>
-              <a:t>4/14/2016</a:t>
+              <a:t>4/14/16</a:t>
             </a:fld>
             <a:endParaRPr lang="en-US"/>
           </a:p>
@@ -5032,6 +5033,10 @@
           <a:bodyPr/>
           <a:lstStyle/>
           <a:p>
+            <a:r>
+              <a:rPr lang="en-US" dirty="0" smtClean="0"/>
+              <a:t>Sprint Review 2</a:t>
+            </a:r>
             <a:endParaRPr lang="en-US" dirty="0"/>
           </a:p>
         </p:txBody>
@@ -5103,10 +5108,124 @@
   <p:timing>
     <p:tnLst>
       <p:par>
-        <p:cTn id="1" dur="indefinite" restart="never" nodeType="tmRoot"/>
+        <p:cTn xmlns:p14="http://schemas.microsoft.com/office/powerpoint/2010/main" id="1" dur="indefinite" restart="never" nodeType="tmRoot"/>
       </p:par>
     </p:tnLst>
   </p:timing>
+</p:sld>
+</file>
+
+<file path=ppt/slides/slide10.xml><?xml version="1.0" encoding="utf-8"?>
+<p:sld xmlns:a="http://schemas.openxmlformats.org/drawingml/2006/main" xmlns:r="http://schemas.openxmlformats.org/officeDocument/2006/relationships" xmlns:p="http://schemas.openxmlformats.org/presentationml/2006/main">
+  <p:cSld>
+    <p:spTree>
+      <p:nvGrpSpPr>
+        <p:cNvPr id="1" name=""/>
+        <p:cNvGrpSpPr/>
+        <p:nvPr/>
+      </p:nvGrpSpPr>
+      <p:grpSpPr>
+        <a:xfrm>
+          <a:off x="0" y="0"/>
+          <a:ext cx="0" cy="0"/>
+          <a:chOff x="0" y="0"/>
+          <a:chExt cx="0" cy="0"/>
+        </a:xfrm>
+      </p:grpSpPr>
+      <p:sp>
+        <p:nvSpPr>
+          <p:cNvPr id="3" name="Content Placeholder 2"/>
+          <p:cNvSpPr>
+            <a:spLocks noGrp="1"/>
+          </p:cNvSpPr>
+          <p:nvPr>
+            <p:ph sz="half" idx="2"/>
+          </p:nvPr>
+        </p:nvSpPr>
+        <p:spPr>
+          <a:xfrm>
+            <a:off x="762000" y="1295400"/>
+            <a:ext cx="5638800" cy="3712464"/>
+          </a:xfrm>
+        </p:spPr>
+        <p:txBody>
+          <a:bodyPr>
+            <a:normAutofit/>
+          </a:bodyPr>
+          <a:lstStyle/>
+          <a:p>
+            <a:pPr>
+              <a:buFont typeface="Arial"/>
+              <a:buChar char="•"/>
+            </a:pPr>
+            <a:r>
+              <a:rPr lang="en-US" sz="2400" dirty="0" smtClean="0"/>
+              <a:t>Make physical prototype</a:t>
+            </a:r>
+          </a:p>
+          <a:p>
+            <a:pPr>
+              <a:buFont typeface="Arial"/>
+              <a:buChar char="•"/>
+            </a:pPr>
+            <a:r>
+              <a:rPr lang="en-US" sz="2400" dirty="0" smtClean="0"/>
+              <a:t>Improve</a:t>
+            </a:r>
+            <a:r>
+              <a:rPr lang="en-US" dirty="0" smtClean="0"/>
+              <a:t> </a:t>
+            </a:r>
+            <a:r>
+              <a:rPr lang="en-US" sz="2400" dirty="0" smtClean="0"/>
+              <a:t>visual design</a:t>
+            </a:r>
+          </a:p>
+          <a:p>
+            <a:pPr>
+              <a:buFont typeface="Arial"/>
+              <a:buChar char="•"/>
+            </a:pPr>
+            <a:r>
+              <a:rPr lang="en-US" sz="2400" dirty="0" smtClean="0"/>
+              <a:t>Survey random ASU students</a:t>
+            </a:r>
+          </a:p>
+        </p:txBody>
+      </p:sp>
+      <p:sp>
+        <p:nvSpPr>
+          <p:cNvPr id="4" name="Title 3"/>
+          <p:cNvSpPr>
+            <a:spLocks noGrp="1"/>
+          </p:cNvSpPr>
+          <p:nvPr>
+            <p:ph type="title"/>
+          </p:nvPr>
+        </p:nvSpPr>
+        <p:spPr/>
+        <p:txBody>
+          <a:bodyPr/>
+          <a:lstStyle/>
+          <a:p>
+            <a:r>
+              <a:rPr lang="en-US" dirty="0" smtClean="0"/>
+              <a:t>NEXT SPRINT REVIEW</a:t>
+            </a:r>
+            <a:endParaRPr lang="en-US" dirty="0"/>
+          </a:p>
+        </p:txBody>
+      </p:sp>
+    </p:spTree>
+    <p:extLst>
+      <p:ext uri="{BB962C8B-B14F-4D97-AF65-F5344CB8AC3E}">
+        <p14:creationId xmlns:p14="http://schemas.microsoft.com/office/powerpoint/2010/main" val="3062540740"/>
+      </p:ext>
+    </p:extLst>
+  </p:cSld>
+  <p:clrMapOvr>
+    <a:masterClrMapping/>
+  </p:clrMapOvr>
 </p:sld>
 </file>
 
@@ -5162,7 +5281,7 @@
             </a:br>
             <a:r>
               <a:rPr lang="en-US" dirty="0" smtClean="0"/>
-              <a:t>What we offer</a:t>
+              <a:t>MARKET RESEARCH</a:t>
             </a:r>
             <a:endParaRPr lang="en-US" dirty="0"/>
           </a:p>
@@ -5180,7 +5299,7 @@
         </p:nvSpPr>
         <p:spPr>
           <a:xfrm>
-            <a:off x="822960" y="2057400"/>
+            <a:off x="838200" y="1219200"/>
             <a:ext cx="7520940" cy="2623077"/>
           </a:xfrm>
         </p:spPr>
@@ -5188,111 +5307,62 @@
           <a:bodyPr/>
           <a:lstStyle/>
           <a:p>
-            <a:pPr marL="0" indent="0" algn="ctr">
-              <a:buNone/>
+            <a:pPr marL="285750" indent="-285750">
+              <a:buFontTx/>
+              <a:buChar char="-"/>
             </a:pPr>
             <a:r>
               <a:rPr lang="en-US" dirty="0" smtClean="0"/>
-              <a:t>While attending college, it can be difficult to find </a:t>
-            </a:r>
+              <a:t>Would you sign up?</a:t>
+            </a:r>
+          </a:p>
+          <a:p>
+            <a:pPr marL="285750" indent="-285750">
+              <a:buFontTx/>
+              <a:buChar char="-"/>
+            </a:pPr>
             <a:r>
               <a:rPr lang="en-US" dirty="0" smtClean="0"/>
-              <a:t/>
-            </a:r>
-            <a:br>
+              <a:t>If yes, did you </a:t>
+            </a:r>
+            <a:r>
               <a:rPr lang="en-US" dirty="0" smtClean="0"/>
-            </a:br>
-            <a:r>
-              <a:rPr lang="en-US" dirty="0" smtClean="0"/>
-              <a:t>friends </a:t>
-            </a:r>
-            <a:r>
-              <a:rPr lang="en-US" dirty="0" smtClean="0"/>
-              <a:t>with similar interest. </a:t>
-            </a:r>
-            <a:br>
-              <a:rPr lang="en-US" dirty="0" smtClean="0"/>
-            </a:br>
-            <a:r>
-              <a:rPr lang="en-US" dirty="0" smtClean="0"/>
-              <a:t>With the busy day-to-day of classes, homework, meetings, and </a:t>
-            </a:r>
-            <a:r>
-              <a:rPr lang="en-US" dirty="0" smtClean="0"/>
-              <a:t>work</a:t>
-            </a:r>
-            <a:br>
-              <a:rPr lang="en-US" dirty="0" smtClean="0"/>
-            </a:br>
-            <a:r>
-              <a:rPr lang="en-US" dirty="0" smtClean="0"/>
-              <a:t> </a:t>
-            </a:r>
-            <a:r>
-              <a:rPr lang="en-US" dirty="0" smtClean="0"/>
-              <a:t>the </a:t>
-            </a:r>
-            <a:r>
-              <a:rPr lang="en-US" dirty="0" err="1" smtClean="0"/>
-              <a:t>FriendZone</a:t>
-            </a:r>
-            <a:r>
-              <a:rPr lang="en-US" dirty="0" smtClean="0"/>
-              <a:t> application can bring people together. </a:t>
-            </a:r>
-            <a:r>
-              <a:rPr lang="en-US" dirty="0" smtClean="0"/>
-              <a:t/>
-            </a:r>
-            <a:br>
-              <a:rPr lang="en-US" dirty="0" smtClean="0"/>
-            </a:br>
-            <a:r>
-              <a:rPr lang="en-US" dirty="0" err="1" smtClean="0"/>
-              <a:t>FriendZone</a:t>
-            </a:r>
-            <a:r>
-              <a:rPr lang="en-US" dirty="0" smtClean="0"/>
-              <a:t> </a:t>
-            </a:r>
-            <a:r>
-              <a:rPr lang="en-US" dirty="0" smtClean="0"/>
-              <a:t>is a mobile </a:t>
-            </a:r>
-            <a:r>
-              <a:rPr lang="en-US" dirty="0" smtClean="0"/>
-              <a:t>application </a:t>
-            </a:r>
-            <a:r>
-              <a:rPr lang="en-US" dirty="0" smtClean="0"/>
-              <a:t>that will help ASU </a:t>
-            </a:r>
-            <a:r>
-              <a:rPr lang="en-US" dirty="0" smtClean="0"/>
-              <a:t>students</a:t>
-            </a:r>
-            <a:br>
-              <a:rPr lang="en-US" dirty="0" smtClean="0"/>
-            </a:br>
-            <a:r>
-              <a:rPr lang="en-US" dirty="0" smtClean="0"/>
-              <a:t> </a:t>
-            </a:r>
-            <a:r>
-              <a:rPr lang="en-US" dirty="0" smtClean="0"/>
-              <a:t>find people with similar interests and </a:t>
-            </a:r>
-            <a:br>
-              <a:rPr lang="en-US" dirty="0" smtClean="0"/>
-            </a:br>
-            <a:r>
-              <a:rPr lang="en-US" dirty="0" smtClean="0"/>
-              <a:t>create friendships through social activities</a:t>
-            </a:r>
+              <a:t>find an activity you would like?</a:t>
+            </a:r>
+          </a:p>
+          <a:p>
+            <a:pPr marL="285750" indent="-285750">
+              <a:buFontTx/>
+              <a:buChar char="-"/>
+            </a:pPr>
             <a:endParaRPr lang="en-US" dirty="0"/>
           </a:p>
         </p:txBody>
       </p:sp>
+      <p:pic>
+        <p:nvPicPr>
+          <p:cNvPr id="4" name="Picture 3"/>
+          <p:cNvPicPr>
+            <a:picLocks noChangeAspect="1"/>
+          </p:cNvPicPr>
+          <p:nvPr/>
+        </p:nvPicPr>
+        <p:blipFill>
+          <a:blip r:embed="rId2"/>
+          <a:stretch>
+            <a:fillRect/>
+          </a:stretch>
+        </p:blipFill>
+        <p:spPr>
+          <a:xfrm>
+            <a:off x="1828800" y="1981200"/>
+            <a:ext cx="5257800" cy="2771380"/>
+          </a:xfrm>
+          <a:prstGeom prst="rect">
+            <a:avLst/>
+          </a:prstGeom>
+        </p:spPr>
+      </p:pic>
     </p:spTree>
     <p:extLst>
       <p:ext uri="{BB962C8B-B14F-4D97-AF65-F5344CB8AC3E}">
@@ -5306,7 +5376,7 @@
   <p:timing>
     <p:tnLst>
       <p:par>
-        <p:cTn id="1" dur="indefinite" restart="never" nodeType="tmRoot"/>
+        <p:cTn xmlns:p14="http://schemas.microsoft.com/office/powerpoint/2010/main" id="1" dur="indefinite" restart="never" nodeType="tmRoot"/>
       </p:par>
     </p:tnLst>
   </p:timing>
@@ -5365,14 +5435,14 @@
             <a:noFill/>
           </a:ln>
           <a:extLst>
-            <a:ext uri="{909E8E84-426E-40DD-AFC4-6F175D3DCCD1}">
+            <a:ext uri="{909E8E84-426E-40dd-AFC4-6F175D3DCCD1}">
               <a14:hiddenFill xmlns:a14="http://schemas.microsoft.com/office/drawing/2010/main">
                 <a:solidFill>
                   <a:schemeClr val="accent1"/>
                 </a:solidFill>
               </a14:hiddenFill>
             </a:ext>
-            <a:ext uri="{91240B29-F687-4F45-9708-019B960494DF}">
+            <a:ext uri="{91240B29-F687-4f45-9708-019B960494DF}">
               <a14:hiddenLine xmlns:a14="http://schemas.microsoft.com/office/drawing/2010/main" w="9525">
                 <a:solidFill>
                   <a:schemeClr val="tx1"/>
@@ -5420,14 +5490,14 @@
             <a:noFill/>
           </a:ln>
           <a:extLst>
-            <a:ext uri="{909E8E84-426E-40DD-AFC4-6F175D3DCCD1}">
+            <a:ext uri="{909E8E84-426E-40dd-AFC4-6F175D3DCCD1}">
               <a14:hiddenFill xmlns:a14="http://schemas.microsoft.com/office/drawing/2010/main">
                 <a:solidFill>
                   <a:schemeClr val="accent1"/>
                 </a:solidFill>
               </a14:hiddenFill>
             </a:ext>
-            <a:ext uri="{91240B29-F687-4F45-9708-019B960494DF}">
+            <a:ext uri="{91240B29-F687-4f45-9708-019B960494DF}">
               <a14:hiddenLine xmlns:a14="http://schemas.microsoft.com/office/drawing/2010/main" w="9525">
                 <a:solidFill>
                   <a:schemeClr val="tx1"/>
@@ -5476,7 +5546,7 @@
   <p:timing>
     <p:tnLst>
       <p:par>
-        <p:cTn id="1" dur="indefinite" restart="never" nodeType="tmRoot"/>
+        <p:cTn xmlns:p14="http://schemas.microsoft.com/office/powerpoint/2010/main" id="1" dur="indefinite" restart="never" nodeType="tmRoot"/>
       </p:par>
     </p:tnLst>
   </p:timing>
@@ -5535,14 +5605,14 @@
             <a:noFill/>
           </a:ln>
           <a:extLst>
-            <a:ext uri="{909E8E84-426E-40DD-AFC4-6F175D3DCCD1}">
+            <a:ext uri="{909E8E84-426E-40dd-AFC4-6F175D3DCCD1}">
               <a14:hiddenFill xmlns:a14="http://schemas.microsoft.com/office/drawing/2010/main">
                 <a:solidFill>
                   <a:schemeClr val="accent1"/>
                 </a:solidFill>
               </a14:hiddenFill>
             </a:ext>
-            <a:ext uri="{91240B29-F687-4F45-9708-019B960494DF}">
+            <a:ext uri="{91240B29-F687-4f45-9708-019B960494DF}">
               <a14:hiddenLine xmlns:a14="http://schemas.microsoft.com/office/drawing/2010/main" w="9525">
                 <a:solidFill>
                   <a:schemeClr val="tx1"/>
@@ -5590,14 +5660,14 @@
             <a:noFill/>
           </a:ln>
           <a:extLst>
-            <a:ext uri="{909E8E84-426E-40DD-AFC4-6F175D3DCCD1}">
+            <a:ext uri="{909E8E84-426E-40dd-AFC4-6F175D3DCCD1}">
               <a14:hiddenFill xmlns:a14="http://schemas.microsoft.com/office/drawing/2010/main">
                 <a:solidFill>
                   <a:schemeClr val="accent1"/>
                 </a:solidFill>
               </a14:hiddenFill>
             </a:ext>
-            <a:ext uri="{91240B29-F687-4F45-9708-019B960494DF}">
+            <a:ext uri="{91240B29-F687-4f45-9708-019B960494DF}">
               <a14:hiddenLine xmlns:a14="http://schemas.microsoft.com/office/drawing/2010/main" w="9525">
                 <a:solidFill>
                   <a:schemeClr val="tx1"/>
@@ -5625,7 +5695,11 @@
           <a:bodyPr/>
           <a:lstStyle/>
           <a:p>
-            <a:endParaRPr lang="en-US"/>
+            <a:r>
+              <a:rPr lang="en-US" dirty="0" smtClean="0"/>
+              <a:t>PROTOTYPE 1</a:t>
+            </a:r>
+            <a:endParaRPr lang="en-US" dirty="0"/>
           </a:p>
         </p:txBody>
       </p:sp>
@@ -5928,14 +6002,14 @@
               <a:noFill/>
             </a:ln>
             <a:extLst>
-              <a:ext uri="{909E8E84-426E-40DD-AFC4-6F175D3DCCD1}">
+              <a:ext uri="{909E8E84-426E-40dd-AFC4-6F175D3DCCD1}">
                 <a14:hiddenFill xmlns:a14="http://schemas.microsoft.com/office/drawing/2010/main">
                   <a:solidFill>
                     <a:schemeClr val="accent1"/>
                   </a:solidFill>
                 </a14:hiddenFill>
               </a:ext>
-              <a:ext uri="{91240B29-F687-4F45-9708-019B960494DF}">
+              <a:ext uri="{91240B29-F687-4f45-9708-019B960494DF}">
                 <a14:hiddenLine xmlns:a14="http://schemas.microsoft.com/office/drawing/2010/main" w="9525">
                   <a:solidFill>
                     <a:schemeClr val="tx1"/>
@@ -6056,7 +6130,7 @@
   <p:timing>
     <p:tnLst>
       <p:par>
-        <p:cTn id="1" dur="indefinite" restart="never" nodeType="tmRoot"/>
+        <p:cTn xmlns:p14="http://schemas.microsoft.com/office/powerpoint/2010/main" id="1" dur="indefinite" restart="never" nodeType="tmRoot"/>
       </p:par>
     </p:tnLst>
   </p:timing>
@@ -6174,7 +6248,7 @@
   <p:timing>
     <p:tnLst>
       <p:par>
-        <p:cTn id="1" dur="indefinite" restart="never" nodeType="tmRoot"/>
+        <p:cTn xmlns:p14="http://schemas.microsoft.com/office/powerpoint/2010/main" id="1" dur="indefinite" restart="never" nodeType="tmRoot"/>
       </p:par>
     </p:tnLst>
   </p:timing>
@@ -6242,7 +6316,11 @@
           <a:bodyPr/>
           <a:lstStyle/>
           <a:p>
-            <a:endParaRPr lang="en-US"/>
+            <a:r>
+              <a:rPr lang="en-US" dirty="0" smtClean="0"/>
+              <a:t>PROTOTYPE 2</a:t>
+            </a:r>
+            <a:endParaRPr lang="en-US" dirty="0"/>
           </a:p>
         </p:txBody>
       </p:sp>
@@ -6288,7 +6366,7 @@
   <p:timing>
     <p:tnLst>
       <p:par>
-        <p:cTn id="1" dur="indefinite" restart="never" nodeType="tmRoot"/>
+        <p:cTn xmlns:p14="http://schemas.microsoft.com/office/powerpoint/2010/main" id="1" dur="indefinite" restart="never" nodeType="tmRoot"/>
       </p:par>
     </p:tnLst>
   </p:timing>
@@ -6327,7 +6405,11 @@
           <a:bodyPr/>
           <a:lstStyle/>
           <a:p>
-            <a:endParaRPr lang="en-US"/>
+            <a:r>
+              <a:rPr lang="en-US" dirty="0" smtClean="0"/>
+              <a:t>PROTOTYPE 2</a:t>
+            </a:r>
+            <a:endParaRPr lang="en-US" dirty="0"/>
           </a:p>
         </p:txBody>
       </p:sp>
@@ -6402,7 +6484,7 @@
   <p:timing>
     <p:tnLst>
       <p:par>
-        <p:cTn id="1" dur="indefinite" restart="never" nodeType="tmRoot"/>
+        <p:cTn xmlns:p14="http://schemas.microsoft.com/office/powerpoint/2010/main" id="1" dur="indefinite" restart="never" nodeType="tmRoot"/>
       </p:par>
     </p:tnLst>
   </p:timing>
@@ -6470,7 +6552,11 @@
           <a:bodyPr/>
           <a:lstStyle/>
           <a:p>
-            <a:endParaRPr lang="en-US"/>
+            <a:r>
+              <a:rPr lang="en-US" dirty="0" smtClean="0"/>
+              <a:t>PROTOTYPE 2</a:t>
+            </a:r>
+            <a:endParaRPr lang="en-US" dirty="0"/>
           </a:p>
         </p:txBody>
       </p:sp>
@@ -6519,7 +6605,7 @@
   <p:timing>
     <p:tnLst>
       <p:par>
-        <p:cTn id="1" dur="indefinite" restart="never" nodeType="tmRoot"/>
+        <p:cTn xmlns:p14="http://schemas.microsoft.com/office/powerpoint/2010/main" id="1" dur="indefinite" restart="never" nodeType="tmRoot"/>
       </p:par>
     </p:tnLst>
   </p:timing>
@@ -6850,7 +6936,7 @@
   <p:timing>
     <p:tnLst>
       <p:par>
-        <p:cTn id="1" dur="indefinite" restart="never" nodeType="tmRoot"/>
+        <p:cTn xmlns:p14="http://schemas.microsoft.com/office/powerpoint/2010/main" id="1" dur="indefinite" restart="never" nodeType="tmRoot"/>
       </p:par>
     </p:tnLst>
   </p:timing>
